--- a/analysis/results/us_feeders/us_feeders.pptx
+++ b/analysis/results/us_feeders/us_feeders.pptx
@@ -24,6 +24,9 @@
     <p:sldId id="272" r:id="rId22"/>
     <p:sldId id="273" r:id="rId23"/>
     <p:sldId id="274" r:id="rId24"/>
+    <p:sldId id="275" r:id="rId25"/>
+    <p:sldId id="276" r:id="rId26"/>
+    <p:sldId id="277" r:id="rId27"/>
   </p:sldIdLst>
   <p:sldSz cx="12192000" cy="6858000"/>
   <p:notesSz cx="6858000" cy="9144000"/>
@@ -2588,7 +2591,7 @@
           <a:lstStyle/>
           <a:p>
             <a:r>
-              <a:t>natl_gaps_3foreign</a:t>
+              <a:t>natl_gaps_no_action</a:t>
             </a:r>
           </a:p>
         </p:txBody>
@@ -2609,7 +2612,7 @@
           <a:lstStyle/>
           <a:p>
             <a:r>
-              <a:t>1 more foreign WTIV 2025</a:t>
+              <a:t>1 US WTIV starting with CVOW</a:t>
             </a:r>
           </a:p>
         </p:txBody>
@@ -2648,7 +2651,7 @@
           <a:lstStyle/>
           <a:p>
             <a:r>
-              <a:t>natl_gaps_6foreign</a:t>
+              <a:t>natl_gaps_5foreign</a:t>
             </a:r>
           </a:p>
         </p:txBody>
@@ -2834,7 +2837,7 @@
           <a:lstStyle/>
           <a:p>
             <a:r>
-              <a:t>natl_gaps_6foreign_infp</a:t>
+              <a:t>natl_gaps_6foreign</a:t>
             </a:r>
           </a:p>
         </p:txBody>
@@ -2916,7 +2919,7 @@
         <p:spPr>
           <a:xfrm>
             <a:off x="0" y="566928"/>
-            <a:ext cx="3886200" cy="4932081"/>
+            <a:ext cx="3886200" cy="4918799"/>
           </a:xfrm>
           <a:prstGeom prst="rect">
             <a:avLst/>
@@ -3020,7 +3023,7 @@
           <a:lstStyle/>
           <a:p>
             <a:r>
-              <a:t>natl_gaps_infp_infv</a:t>
+              <a:t>natl_gaps_6foreign_infp</a:t>
             </a:r>
           </a:p>
         </p:txBody>
@@ -3041,7 +3044,7 @@
           <a:lstStyle/>
           <a:p>
             <a:r>
-              <a:t>1 US WTIV starting with CVOW, then 1 in 2030, 2033, 2036</a:t>
+              <a:t>1 more foreign WTIV 2025</a:t>
             </a:r>
           </a:p>
         </p:txBody>
@@ -3206,35 +3209,32 @@
           <a:lstStyle/>
           <a:p>
             <a:r>
-              <a:t>Installed Capacity</a:t>
-            </a:r>
-          </a:p>
-        </p:txBody>
-      </p:sp>
-      <p:pic>
-        <p:nvPicPr>
-          <p:cNvPr id="3" name="Picture 2" descr="image.png"/>
-          <p:cNvPicPr>
-            <a:picLocks noChangeAspect="1"/>
-          </p:cNvPicPr>
-          <p:nvPr/>
-        </p:nvPicPr>
-        <p:blipFill>
-          <a:blip r:embed="rId2"/>
-          <a:stretch>
-            <a:fillRect/>
-          </a:stretch>
-        </p:blipFill>
-        <p:spPr>
-          <a:xfrm>
-            <a:off x="0" y="566928"/>
-            <a:ext cx="12188952" cy="5091404"/>
-          </a:xfrm>
-          <a:prstGeom prst="rect">
-            <a:avLst/>
-          </a:prstGeom>
-        </p:spPr>
-      </p:pic>
+              <a:t>natl_gaps_infp_infv</a:t>
+            </a:r>
+          </a:p>
+        </p:txBody>
+      </p:sp>
+      <p:sp>
+        <p:nvSpPr>
+          <p:cNvPr id="3" name="Text Placeholder 2"/>
+          <p:cNvSpPr>
+            <a:spLocks noGrp="1"/>
+          </p:cNvSpPr>
+          <p:nvPr>
+            <p:ph type="body" idx="10" sz="quarter"/>
+          </p:nvPr>
+        </p:nvSpPr>
+        <p:spPr/>
+        <p:txBody>
+          <a:bodyPr/>
+          <a:lstStyle/>
+          <a:p>
+            <a:r>
+              <a:t>1 US WTIV starting with CVOW, then 1 in 2030, 2033, 2036</a:t>
+            </a:r>
+          </a:p>
+        </p:txBody>
+      </p:sp>
     </p:spTree>
   </p:cSld>
   <p:clrMapOvr>
@@ -3291,7 +3291,196 @@
         <p:spPr>
           <a:xfrm>
             <a:off x="0" y="566928"/>
-            <a:ext cx="3886200" cy="4918799"/>
+            <a:ext cx="3886200" cy="4932081"/>
+          </a:xfrm>
+          <a:prstGeom prst="rect">
+            <a:avLst/>
+          </a:prstGeom>
+        </p:spPr>
+      </p:pic>
+    </p:spTree>
+  </p:cSld>
+  <p:clrMapOvr>
+    <a:masterClrMapping/>
+  </p:clrMapOvr>
+</p:sld>
+</file>
+
+<file path=ppt/slides/slide20.xml><?xml version="1.0" encoding="utf-8"?>
+<p:sld xmlns:a="http://schemas.openxmlformats.org/drawingml/2006/main" xmlns:p="http://schemas.openxmlformats.org/presentationml/2006/main" xmlns:r="http://schemas.openxmlformats.org/officeDocument/2006/relationships">
+  <p:cSld>
+    <p:spTree>
+      <p:nvGrpSpPr>
+        <p:cNvPr id="1" name=""/>
+        <p:cNvGrpSpPr/>
+        <p:nvPr/>
+      </p:nvGrpSpPr>
+      <p:grpSpPr/>
+      <p:sp>
+        <p:nvSpPr>
+          <p:cNvPr id="2" name="Title 1"/>
+          <p:cNvSpPr>
+            <a:spLocks noGrp="1"/>
+          </p:cNvSpPr>
+          <p:nvPr>
+            <p:ph type="title"/>
+          </p:nvPr>
+        </p:nvSpPr>
+        <p:spPr/>
+        <p:txBody>
+          <a:bodyPr/>
+          <a:lstStyle/>
+          <a:p>
+            <a:r>
+              <a:t>Full Gantt</a:t>
+            </a:r>
+          </a:p>
+        </p:txBody>
+      </p:sp>
+      <p:pic>
+        <p:nvPicPr>
+          <p:cNvPr id="3" name="Picture 2" descr="image.png"/>
+          <p:cNvPicPr>
+            <a:picLocks noChangeAspect="1"/>
+          </p:cNvPicPr>
+          <p:nvPr/>
+        </p:nvPicPr>
+        <p:blipFill>
+          <a:blip r:embed="rId2"/>
+          <a:stretch>
+            <a:fillRect/>
+          </a:stretch>
+        </p:blipFill>
+        <p:spPr>
+          <a:xfrm>
+            <a:off x="0" y="566928"/>
+            <a:ext cx="3886200" cy="4932081"/>
+          </a:xfrm>
+          <a:prstGeom prst="rect">
+            <a:avLst/>
+          </a:prstGeom>
+        </p:spPr>
+      </p:pic>
+    </p:spTree>
+  </p:cSld>
+  <p:clrMapOvr>
+    <a:masterClrMapping/>
+  </p:clrMapOvr>
+</p:sld>
+</file>
+
+<file path=ppt/slides/slide21.xml><?xml version="1.0" encoding="utf-8"?>
+<p:sld xmlns:a="http://schemas.openxmlformats.org/drawingml/2006/main" xmlns:p="http://schemas.openxmlformats.org/presentationml/2006/main" xmlns:r="http://schemas.openxmlformats.org/officeDocument/2006/relationships">
+  <p:cSld>
+    <p:spTree>
+      <p:nvGrpSpPr>
+        <p:cNvPr id="1" name=""/>
+        <p:cNvGrpSpPr/>
+        <p:nvPr/>
+      </p:nvGrpSpPr>
+      <p:grpSpPr/>
+      <p:sp>
+        <p:nvSpPr>
+          <p:cNvPr id="2" name="Title 1"/>
+          <p:cNvSpPr>
+            <a:spLocks noGrp="1"/>
+          </p:cNvSpPr>
+          <p:nvPr>
+            <p:ph type="title"/>
+          </p:nvPr>
+        </p:nvSpPr>
+        <p:spPr/>
+        <p:txBody>
+          <a:bodyPr/>
+          <a:lstStyle/>
+          <a:p>
+            <a:r>
+              <a:t>Port Throughput</a:t>
+            </a:r>
+          </a:p>
+        </p:txBody>
+      </p:sp>
+      <p:pic>
+        <p:nvPicPr>
+          <p:cNvPr id="3" name="Picture 2" descr="image.png"/>
+          <p:cNvPicPr>
+            <a:picLocks noChangeAspect="1"/>
+          </p:cNvPicPr>
+          <p:nvPr/>
+        </p:nvPicPr>
+        <p:blipFill>
+          <a:blip r:embed="rId2"/>
+          <a:stretch>
+            <a:fillRect/>
+          </a:stretch>
+        </p:blipFill>
+        <p:spPr>
+          <a:xfrm>
+            <a:off x="0" y="566928"/>
+            <a:ext cx="12188952" cy="8247478"/>
+          </a:xfrm>
+          <a:prstGeom prst="rect">
+            <a:avLst/>
+          </a:prstGeom>
+        </p:spPr>
+      </p:pic>
+    </p:spTree>
+  </p:cSld>
+  <p:clrMapOvr>
+    <a:masterClrMapping/>
+  </p:clrMapOvr>
+</p:sld>
+</file>
+
+<file path=ppt/slides/slide22.xml><?xml version="1.0" encoding="utf-8"?>
+<p:sld xmlns:a="http://schemas.openxmlformats.org/drawingml/2006/main" xmlns:p="http://schemas.openxmlformats.org/presentationml/2006/main" xmlns:r="http://schemas.openxmlformats.org/officeDocument/2006/relationships">
+  <p:cSld>
+    <p:spTree>
+      <p:nvGrpSpPr>
+        <p:cNvPr id="1" name=""/>
+        <p:cNvGrpSpPr/>
+        <p:nvPr/>
+      </p:nvGrpSpPr>
+      <p:grpSpPr/>
+      <p:sp>
+        <p:nvSpPr>
+          <p:cNvPr id="2" name="Title 1"/>
+          <p:cNvSpPr>
+            <a:spLocks noGrp="1"/>
+          </p:cNvSpPr>
+          <p:nvPr>
+            <p:ph type="title"/>
+          </p:nvPr>
+        </p:nvSpPr>
+        <p:spPr/>
+        <p:txBody>
+          <a:bodyPr/>
+          <a:lstStyle/>
+          <a:p>
+            <a:r>
+              <a:t>Installed Capacity</a:t>
+            </a:r>
+          </a:p>
+        </p:txBody>
+      </p:sp>
+      <p:pic>
+        <p:nvPicPr>
+          <p:cNvPr id="3" name="Picture 2" descr="image.png"/>
+          <p:cNvPicPr>
+            <a:picLocks noChangeAspect="1"/>
+          </p:cNvPicPr>
+          <p:nvPr/>
+        </p:nvPicPr>
+        <p:blipFill>
+          <a:blip r:embed="rId2"/>
+          <a:stretch>
+            <a:fillRect/>
+          </a:stretch>
+        </p:blipFill>
+        <p:spPr>
+          <a:xfrm>
+            <a:off x="0" y="566928"/>
+            <a:ext cx="12188952" cy="4984778"/>
           </a:xfrm>
           <a:prstGeom prst="rect">
             <a:avLst/>
@@ -3395,7 +3584,7 @@
           <a:lstStyle/>
           <a:p>
             <a:r>
-              <a:t>natl_gaps_4foreign</a:t>
+              <a:t>natl_gaps_3foreign</a:t>
             </a:r>
           </a:p>
         </p:txBody>
@@ -3581,7 +3770,7 @@
           <a:lstStyle/>
           <a:p>
             <a:r>
-              <a:t>natl_gaps_5foreign</a:t>
+              <a:t>natl_gaps_4foreign</a:t>
             </a:r>
           </a:p>
         </p:txBody>
